--- a/Chapter03-DevelopingABM/Chapter3.pptx
+++ b/Chapter03-DevelopingABM/Chapter3.pptx
@@ -104,6 +104,11 @@
       </a:defRPr>
     </a:lvl9pPr>
   </p:defaultTextStyle>
+  <p:extLst>
+    <p:ext uri="{EFAFB233-063F-42B5-8137-9DF3F51BA10A}">
+      <p15:sldGuideLst xmlns:p15="http://schemas.microsoft.com/office/powerpoint/2012/main"/>
+    </p:ext>
+  </p:extLst>
 </p:presentation>
 </file>
 
@@ -3342,7 +3347,10 @@
           <a:bodyPr/>
           <a:lstStyle/>
           <a:p>
-            <a:endParaRPr lang="en-US"/>
+            <a:r>
+              <a:rPr lang="en-US" dirty="0"/>
+              <a:t>Chapter 3</a:t>
+            </a:r>
           </a:p>
         </p:txBody>
       </p:sp>
@@ -3367,7 +3375,16 @@
           <a:bodyPr/>
           <a:lstStyle/>
           <a:p>
-            <a:endParaRPr lang="en-US"/>
+            <a:r>
+              <a:rPr lang="en-US" dirty="0"/>
+              <a:t>Designing and Developing an Agent-based</a:t>
+            </a:r>
+          </a:p>
+          <a:p>
+            <a:r>
+              <a:rPr lang="en-US" dirty="0"/>
+              <a:t>Model</a:t>
+            </a:r>
           </a:p>
         </p:txBody>
       </p:sp>

--- a/Chapter03-DevelopingABM/Chapter3.pptx
+++ b/Chapter03-DevelopingABM/Chapter3.pptx
@@ -6,6 +6,8 @@
   </p:sldMasterIdLst>
   <p:sldIdLst>
     <p:sldId id="256" r:id="rId2"/>
+    <p:sldId id="277" r:id="rId3"/>
+    <p:sldId id="278" r:id="rId4"/>
   </p:sldIdLst>
   <p:sldSz cx="12192000" cy="6858000"/>
   <p:notesSz cx="6858000" cy="9144000"/>
@@ -259,7 +261,7 @@
           <a:p>
             <a:fld id="{53326AB7-C146-8643-AC32-1D896C71A7F3}" type="datetimeFigureOut">
               <a:rPr lang="en-US" smtClean="0"/>
-              <a:t>7/16/18</a:t>
+              <a:t>11/2/18</a:t>
             </a:fld>
             <a:endParaRPr lang="en-US"/>
           </a:p>
@@ -457,7 +459,7 @@
           <a:p>
             <a:fld id="{53326AB7-C146-8643-AC32-1D896C71A7F3}" type="datetimeFigureOut">
               <a:rPr lang="en-US" smtClean="0"/>
-              <a:t>7/16/18</a:t>
+              <a:t>11/2/18</a:t>
             </a:fld>
             <a:endParaRPr lang="en-US"/>
           </a:p>
@@ -665,7 +667,7 @@
           <a:p>
             <a:fld id="{53326AB7-C146-8643-AC32-1D896C71A7F3}" type="datetimeFigureOut">
               <a:rPr lang="en-US" smtClean="0"/>
-              <a:t>7/16/18</a:t>
+              <a:t>11/2/18</a:t>
             </a:fld>
             <a:endParaRPr lang="en-US"/>
           </a:p>
@@ -863,7 +865,7 @@
           <a:p>
             <a:fld id="{53326AB7-C146-8643-AC32-1D896C71A7F3}" type="datetimeFigureOut">
               <a:rPr lang="en-US" smtClean="0"/>
-              <a:t>7/16/18</a:t>
+              <a:t>11/2/18</a:t>
             </a:fld>
             <a:endParaRPr lang="en-US"/>
           </a:p>
@@ -1138,7 +1140,7 @@
           <a:p>
             <a:fld id="{53326AB7-C146-8643-AC32-1D896C71A7F3}" type="datetimeFigureOut">
               <a:rPr lang="en-US" smtClean="0"/>
-              <a:t>7/16/18</a:t>
+              <a:t>11/2/18</a:t>
             </a:fld>
             <a:endParaRPr lang="en-US"/>
           </a:p>
@@ -1403,7 +1405,7 @@
           <a:p>
             <a:fld id="{53326AB7-C146-8643-AC32-1D896C71A7F3}" type="datetimeFigureOut">
               <a:rPr lang="en-US" smtClean="0"/>
-              <a:t>7/16/18</a:t>
+              <a:t>11/2/18</a:t>
             </a:fld>
             <a:endParaRPr lang="en-US"/>
           </a:p>
@@ -1815,7 +1817,7 @@
           <a:p>
             <a:fld id="{53326AB7-C146-8643-AC32-1D896C71A7F3}" type="datetimeFigureOut">
               <a:rPr lang="en-US" smtClean="0"/>
-              <a:t>7/16/18</a:t>
+              <a:t>11/2/18</a:t>
             </a:fld>
             <a:endParaRPr lang="en-US"/>
           </a:p>
@@ -1956,7 +1958,7 @@
           <a:p>
             <a:fld id="{53326AB7-C146-8643-AC32-1D896C71A7F3}" type="datetimeFigureOut">
               <a:rPr lang="en-US" smtClean="0"/>
-              <a:t>7/16/18</a:t>
+              <a:t>11/2/18</a:t>
             </a:fld>
             <a:endParaRPr lang="en-US"/>
           </a:p>
@@ -2069,7 +2071,7 @@
           <a:p>
             <a:fld id="{53326AB7-C146-8643-AC32-1D896C71A7F3}" type="datetimeFigureOut">
               <a:rPr lang="en-US" smtClean="0"/>
-              <a:t>7/16/18</a:t>
+              <a:t>11/2/18</a:t>
             </a:fld>
             <a:endParaRPr lang="en-US"/>
           </a:p>
@@ -2380,7 +2382,7 @@
           <a:p>
             <a:fld id="{53326AB7-C146-8643-AC32-1D896C71A7F3}" type="datetimeFigureOut">
               <a:rPr lang="en-US" smtClean="0"/>
-              <a:t>7/16/18</a:t>
+              <a:t>11/2/18</a:t>
             </a:fld>
             <a:endParaRPr lang="en-US"/>
           </a:p>
@@ -2668,7 +2670,7 @@
           <a:p>
             <a:fld id="{53326AB7-C146-8643-AC32-1D896C71A7F3}" type="datetimeFigureOut">
               <a:rPr lang="en-US" smtClean="0"/>
-              <a:t>7/16/18</a:t>
+              <a:t>11/2/18</a:t>
             </a:fld>
             <a:endParaRPr lang="en-US"/>
           </a:p>
@@ -2909,7 +2911,7 @@
           <a:p>
             <a:fld id="{53326AB7-C146-8643-AC32-1D896C71A7F3}" type="datetimeFigureOut">
               <a:rPr lang="en-US" smtClean="0"/>
-              <a:t>7/16/18</a:t>
+              <a:t>11/2/18</a:t>
             </a:fld>
             <a:endParaRPr lang="en-US"/>
           </a:p>
@@ -3312,6 +3314,14 @@
 <file path=ppt/slides/slide1.xml><?xml version="1.0" encoding="utf-8"?>
 <p:sld xmlns:a="http://schemas.openxmlformats.org/drawingml/2006/main" xmlns:r="http://schemas.openxmlformats.org/officeDocument/2006/relationships" xmlns:p="http://schemas.openxmlformats.org/presentationml/2006/main">
   <p:cSld>
+    <p:bg>
+      <p:bgPr>
+        <a:solidFill>
+          <a:schemeClr val="bg1"/>
+        </a:solidFill>
+        <a:effectLst/>
+      </p:bgPr>
+    </p:bg>
     <p:spTree>
       <p:nvGrpSpPr>
         <p:cNvPr id="1" name=""/>
@@ -3326,6 +3336,101 @@
           <a:chExt cx="0" cy="0"/>
         </a:xfrm>
       </p:grpSpPr>
+      <p:pic>
+        <p:nvPicPr>
+          <p:cNvPr id="5" name="Picture 4">
+            <a:extLst>
+              <a:ext uri="{FF2B5EF4-FFF2-40B4-BE49-F238E27FC236}">
+                <a16:creationId xmlns:a16="http://schemas.microsoft.com/office/drawing/2014/main" id="{2564CFC2-394B-EF4E-918F-37B42AA7739E}"/>
+              </a:ext>
+            </a:extLst>
+          </p:cNvPr>
+          <p:cNvPicPr>
+            <a:picLocks noChangeAspect="1"/>
+          </p:cNvPicPr>
+          <p:nvPr/>
+        </p:nvPicPr>
+        <p:blipFill rotWithShape="1">
+          <a:blip r:embed="rId2"/>
+          <a:srcRect r="3747"/>
+          <a:stretch/>
+        </p:blipFill>
+        <p:spPr>
+          <a:xfrm>
+            <a:off x="20" y="10"/>
+            <a:ext cx="4637226" cy="6857990"/>
+          </a:xfrm>
+          <a:prstGeom prst="rect">
+            <a:avLst/>
+          </a:prstGeom>
+        </p:spPr>
+      </p:pic>
+      <p:sp>
+        <p:nvSpPr>
+          <p:cNvPr id="10" name="Rectangle 9">
+            <a:extLst>
+              <a:ext uri="{FF2B5EF4-FFF2-40B4-BE49-F238E27FC236}">
+                <a16:creationId xmlns:a16="http://schemas.microsoft.com/office/drawing/2014/main" id="{B9951BD9-0868-4CDB-ACD6-9C4209B5E412}"/>
+              </a:ext>
+              <a:ext uri="{C183D7F6-B498-43B3-948B-1728B52AA6E4}">
+                <adec:decorative xmlns:adec="http://schemas.microsoft.com/office/drawing/2017/decorative" val="1"/>
+              </a:ext>
+            </a:extLst>
+          </p:cNvPr>
+          <p:cNvSpPr>
+            <a:spLocks noGrp="1" noRot="1" noChangeAspect="1" noMove="1" noResize="1" noEditPoints="1" noAdjustHandles="1" noChangeArrowheads="1" noChangeShapeType="1" noTextEdit="1"/>
+          </p:cNvSpPr>
+          <p:nvPr>
+            <p:extLst>
+              <p:ext uri="{386F3935-93C4-4BCD-93E2-E3B085C9AB24}">
+                <p16:designElem xmlns:p16="http://schemas.microsoft.com/office/powerpoint/2015/main" val="1"/>
+              </p:ext>
+            </p:extLst>
+          </p:nvPr>
+        </p:nvSpPr>
+        <p:spPr bwMode="white">
+          <a:xfrm>
+            <a:off x="4637247" y="0"/>
+            <a:ext cx="7554754" cy="6858000"/>
+          </a:xfrm>
+          <a:prstGeom prst="rect">
+            <a:avLst/>
+          </a:prstGeom>
+          <a:solidFill>
+            <a:schemeClr val="tx1">
+              <a:lumMod val="85000"/>
+              <a:lumOff val="15000"/>
+            </a:schemeClr>
+          </a:solidFill>
+          <a:ln>
+            <a:noFill/>
+          </a:ln>
+        </p:spPr>
+        <p:style>
+          <a:lnRef idx="2">
+            <a:schemeClr val="accent1">
+              <a:shade val="50000"/>
+            </a:schemeClr>
+          </a:lnRef>
+          <a:fillRef idx="1">
+            <a:schemeClr val="accent1"/>
+          </a:fillRef>
+          <a:effectRef idx="0">
+            <a:schemeClr val="accent1"/>
+          </a:effectRef>
+          <a:fontRef idx="minor">
+            <a:schemeClr val="lt1"/>
+          </a:fontRef>
+        </p:style>
+        <p:txBody>
+          <a:bodyPr rtlCol="0" anchor="ctr"/>
+          <a:lstStyle/>
+          <a:p>
+            <a:pPr algn="ctr"/>
+            <a:endParaRPr lang="en-US"/>
+          </a:p>
+        </p:txBody>
+      </p:sp>
       <p:sp>
         <p:nvSpPr>
           <p:cNvPr id="2" name="Title 1">
@@ -3342,13 +3447,25 @@
             <p:ph type="ctrTitle"/>
           </p:nvPr>
         </p:nvSpPr>
-        <p:spPr/>
-        <p:txBody>
-          <a:bodyPr/>
-          <a:lstStyle/>
-          <a:p>
-            <a:r>
-              <a:rPr lang="en-US" dirty="0"/>
+        <p:spPr>
+          <a:xfrm>
+            <a:off x="5277328" y="640082"/>
+            <a:ext cx="6274591" cy="3351602"/>
+          </a:xfrm>
+        </p:spPr>
+        <p:txBody>
+          <a:bodyPr>
+            <a:normAutofit/>
+          </a:bodyPr>
+          <a:lstStyle/>
+          <a:p>
+            <a:pPr algn="l"/>
+            <a:r>
+              <a:rPr lang="en-US">
+                <a:solidFill>
+                  <a:schemeClr val="bg1"/>
+                </a:solidFill>
+              </a:rPr>
               <a:t>Chapter 3</a:t>
             </a:r>
           </a:p>
@@ -3370,19 +3487,36 @@
             <p:ph type="subTitle" idx="1"/>
           </p:nvPr>
         </p:nvSpPr>
-        <p:spPr/>
-        <p:txBody>
-          <a:bodyPr/>
-          <a:lstStyle/>
-          <a:p>
-            <a:r>
-              <a:rPr lang="en-US" dirty="0"/>
+        <p:spPr>
+          <a:xfrm>
+            <a:off x="5277327" y="4156276"/>
+            <a:ext cx="6274592" cy="2061645"/>
+          </a:xfrm>
+        </p:spPr>
+        <p:txBody>
+          <a:bodyPr>
+            <a:normAutofit/>
+          </a:bodyPr>
+          <a:lstStyle/>
+          <a:p>
+            <a:pPr algn="l"/>
+            <a:r>
+              <a:rPr lang="en-US">
+                <a:solidFill>
+                  <a:schemeClr val="bg1"/>
+                </a:solidFill>
+              </a:rPr>
               <a:t>Designing and Developing an Agent-based</a:t>
             </a:r>
           </a:p>
           <a:p>
-            <a:r>
-              <a:rPr lang="en-US" dirty="0"/>
+            <a:pPr algn="l"/>
+            <a:r>
+              <a:rPr lang="en-US">
+                <a:solidFill>
+                  <a:schemeClr val="bg1"/>
+                </a:solidFill>
+              </a:rPr>
               <a:t>Model</a:t>
             </a:r>
           </a:p>
@@ -3392,6 +3526,178 @@
     <p:extLst>
       <p:ext uri="{BB962C8B-B14F-4D97-AF65-F5344CB8AC3E}">
         <p14:creationId xmlns:p14="http://schemas.microsoft.com/office/powerpoint/2010/main" val="27190754"/>
+      </p:ext>
+    </p:extLst>
+  </p:cSld>
+  <p:clrMapOvr>
+    <a:masterClrMapping/>
+  </p:clrMapOvr>
+</p:sld>
+</file>
+
+<file path=ppt/slides/slide2.xml><?xml version="1.0" encoding="utf-8"?>
+<p:sld xmlns:a="http://schemas.openxmlformats.org/drawingml/2006/main" xmlns:r="http://schemas.openxmlformats.org/officeDocument/2006/relationships" xmlns:p="http://schemas.openxmlformats.org/presentationml/2006/main">
+  <p:cSld>
+    <p:spTree>
+      <p:nvGrpSpPr>
+        <p:cNvPr id="1" name=""/>
+        <p:cNvGrpSpPr/>
+        <p:nvPr/>
+      </p:nvGrpSpPr>
+      <p:grpSpPr>
+        <a:xfrm>
+          <a:off x="0" y="0"/>
+          <a:ext cx="0" cy="0"/>
+          <a:chOff x="0" y="0"/>
+          <a:chExt cx="0" cy="0"/>
+        </a:xfrm>
+      </p:grpSpPr>
+      <p:sp>
+        <p:nvSpPr>
+          <p:cNvPr id="2" name="Title 1">
+            <a:extLst>
+              <a:ext uri="{FF2B5EF4-FFF2-40B4-BE49-F238E27FC236}">
+                <a16:creationId xmlns:a16="http://schemas.microsoft.com/office/drawing/2014/main" id="{07A38DDA-2150-1147-B1F2-04571D79B50E}"/>
+              </a:ext>
+            </a:extLst>
+          </p:cNvPr>
+          <p:cNvSpPr>
+            <a:spLocks noGrp="1"/>
+          </p:cNvSpPr>
+          <p:nvPr>
+            <p:ph type="title"/>
+          </p:nvPr>
+        </p:nvSpPr>
+        <p:spPr/>
+        <p:txBody>
+          <a:bodyPr/>
+          <a:lstStyle/>
+          <a:p>
+            <a:r>
+              <a:rPr lang="en-US" dirty="0"/>
+              <a:t>Learning Objectives</a:t>
+            </a:r>
+          </a:p>
+        </p:txBody>
+      </p:sp>
+      <p:sp>
+        <p:nvSpPr>
+          <p:cNvPr id="3" name="Content Placeholder 2">
+            <a:extLst>
+              <a:ext uri="{FF2B5EF4-FFF2-40B4-BE49-F238E27FC236}">
+                <a16:creationId xmlns:a16="http://schemas.microsoft.com/office/drawing/2014/main" id="{ADCCC874-872D-FA48-A5E3-8BFAA487818D}"/>
+              </a:ext>
+            </a:extLst>
+          </p:cNvPr>
+          <p:cNvSpPr>
+            <a:spLocks noGrp="1"/>
+          </p:cNvSpPr>
+          <p:nvPr>
+            <p:ph idx="1"/>
+          </p:nvPr>
+        </p:nvSpPr>
+        <p:spPr/>
+        <p:txBody>
+          <a:bodyPr/>
+          <a:lstStyle/>
+          <a:p>
+            <a:endParaRPr lang="en-US"/>
+          </a:p>
+        </p:txBody>
+      </p:sp>
+    </p:spTree>
+    <p:extLst>
+      <p:ext uri="{BB962C8B-B14F-4D97-AF65-F5344CB8AC3E}">
+        <p14:creationId xmlns:p14="http://schemas.microsoft.com/office/powerpoint/2010/main" val="1373690041"/>
+      </p:ext>
+    </p:extLst>
+  </p:cSld>
+  <p:clrMapOvr>
+    <a:masterClrMapping/>
+  </p:clrMapOvr>
+</p:sld>
+</file>
+
+<file path=ppt/slides/slide3.xml><?xml version="1.0" encoding="utf-8"?>
+<p:sld xmlns:a="http://schemas.openxmlformats.org/drawingml/2006/main" xmlns:r="http://schemas.openxmlformats.org/officeDocument/2006/relationships" xmlns:p="http://schemas.openxmlformats.org/presentationml/2006/main">
+  <p:cSld>
+    <p:spTree>
+      <p:nvGrpSpPr>
+        <p:cNvPr id="1" name=""/>
+        <p:cNvGrpSpPr/>
+        <p:nvPr/>
+      </p:nvGrpSpPr>
+      <p:grpSpPr>
+        <a:xfrm>
+          <a:off x="0" y="0"/>
+          <a:ext cx="0" cy="0"/>
+          <a:chOff x="0" y="0"/>
+          <a:chExt cx="0" cy="0"/>
+        </a:xfrm>
+      </p:grpSpPr>
+      <p:sp>
+        <p:nvSpPr>
+          <p:cNvPr id="2" name="Title 1">
+            <a:extLst>
+              <a:ext uri="{FF2B5EF4-FFF2-40B4-BE49-F238E27FC236}">
+                <a16:creationId xmlns:a16="http://schemas.microsoft.com/office/drawing/2014/main" id="{7CF553B1-9ED5-0E4A-8958-2D15C88DADBC}"/>
+              </a:ext>
+            </a:extLst>
+          </p:cNvPr>
+          <p:cNvSpPr>
+            <a:spLocks noGrp="1"/>
+          </p:cNvSpPr>
+          <p:nvPr>
+            <p:ph type="title"/>
+          </p:nvPr>
+        </p:nvSpPr>
+        <p:spPr>
+          <a:xfrm>
+            <a:off x="838200" y="365125"/>
+            <a:ext cx="10515600" cy="1325563"/>
+          </a:xfrm>
+        </p:spPr>
+        <p:txBody>
+          <a:bodyPr/>
+          <a:lstStyle/>
+          <a:p>
+            <a:r>
+              <a:rPr lang="en-US"/>
+              <a:t>Summary</a:t>
+            </a:r>
+            <a:endParaRPr lang="en-US" dirty="0"/>
+          </a:p>
+        </p:txBody>
+      </p:sp>
+      <p:sp>
+        <p:nvSpPr>
+          <p:cNvPr id="3" name="Content Placeholder 2">
+            <a:extLst>
+              <a:ext uri="{FF2B5EF4-FFF2-40B4-BE49-F238E27FC236}">
+                <a16:creationId xmlns:a16="http://schemas.microsoft.com/office/drawing/2014/main" id="{E9299CD1-BAA1-E446-A025-64FBB0214443}"/>
+              </a:ext>
+            </a:extLst>
+          </p:cNvPr>
+          <p:cNvSpPr>
+            <a:spLocks noGrp="1"/>
+          </p:cNvSpPr>
+          <p:nvPr>
+            <p:ph idx="1"/>
+          </p:nvPr>
+        </p:nvSpPr>
+        <p:spPr/>
+        <p:txBody>
+          <a:bodyPr/>
+          <a:lstStyle/>
+          <a:p>
+            <a:endParaRPr lang="en-US"/>
+          </a:p>
+        </p:txBody>
+      </p:sp>
+    </p:spTree>
+    <p:extLst>
+      <p:ext uri="{BB962C8B-B14F-4D97-AF65-F5344CB8AC3E}">
+        <p14:creationId xmlns:p14="http://schemas.microsoft.com/office/powerpoint/2010/main" val="3155051617"/>
       </p:ext>
     </p:extLst>
   </p:cSld>
